--- a/Presentation/SQL Vulnerability after 4-1 mid [Autosaved].pptx
+++ b/Presentation/SQL Vulnerability after 4-1 mid [Autosaved].pptx
@@ -5,10 +5,10 @@
     <p:sldMasterId id="2147483648" r:id="rId4"/>
   </p:sldMasterIdLst>
   <p:notesMasterIdLst>
-    <p:notesMasterId r:id="rId32"/>
+    <p:notesMasterId r:id="rId45"/>
   </p:notesMasterIdLst>
   <p:handoutMasterIdLst>
-    <p:handoutMasterId r:id="rId33"/>
+    <p:handoutMasterId r:id="rId46"/>
   </p:handoutMasterIdLst>
   <p:sldIdLst>
     <p:sldId id="256" r:id="rId5"/>
@@ -35,9 +35,22 @@
     <p:sldId id="290" r:id="rId26"/>
     <p:sldId id="291" r:id="rId27"/>
     <p:sldId id="292" r:id="rId28"/>
-    <p:sldId id="263" r:id="rId29"/>
-    <p:sldId id="262" r:id="rId30"/>
-    <p:sldId id="264" r:id="rId31"/>
+    <p:sldId id="293" r:id="rId29"/>
+    <p:sldId id="294" r:id="rId30"/>
+    <p:sldId id="283" r:id="rId31"/>
+    <p:sldId id="295" r:id="rId32"/>
+    <p:sldId id="296" r:id="rId33"/>
+    <p:sldId id="297" r:id="rId34"/>
+    <p:sldId id="298" r:id="rId35"/>
+    <p:sldId id="299" r:id="rId36"/>
+    <p:sldId id="300" r:id="rId37"/>
+    <p:sldId id="263" r:id="rId38"/>
+    <p:sldId id="301" r:id="rId39"/>
+    <p:sldId id="302" r:id="rId40"/>
+    <p:sldId id="303" r:id="rId41"/>
+    <p:sldId id="262" r:id="rId42"/>
+    <p:sldId id="304" r:id="rId43"/>
+    <p:sldId id="264" r:id="rId44"/>
   </p:sldIdLst>
   <p:sldSz cx="12192000" cy="6858000"/>
   <p:notesSz cx="6858000" cy="9144000"/>
@@ -1385,7 +1398,7 @@
           <a:p>
             <a:fld id="{BC849E9A-41F7-4779-A581-48A7C374A227}" type="slidenum">
               <a:rPr lang="en-US" smtClean="0"/>
-              <a:t>25</a:t>
+              <a:t>34</a:t>
             </a:fld>
             <a:endParaRPr lang="en-US" dirty="0"/>
           </a:p>
@@ -1865,7 +1878,7 @@
           <a:p>
             <a:fld id="{BC849E9A-41F7-4779-A581-48A7C374A227}" type="slidenum">
               <a:rPr lang="en-US" smtClean="0"/>
-              <a:t>26</a:t>
+              <a:t>38</a:t>
             </a:fld>
             <a:endParaRPr lang="en-US" dirty="0"/>
           </a:p>
@@ -2039,7 +2052,7 @@
           <a:p>
             <a:fld id="{BC849E9A-41F7-4779-A581-48A7C374A227}" type="slidenum">
               <a:rPr lang="en-US" smtClean="0"/>
-              <a:t>27</a:t>
+              <a:t>40</a:t>
             </a:fld>
             <a:endParaRPr lang="en-US" dirty="0"/>
           </a:p>
@@ -9863,6 +9876,1330 @@
 <file path=ppt/slides/slide25.xml><?xml version="1.0" encoding="utf-8"?>
 <p:sld xmlns:a="http://schemas.openxmlformats.org/drawingml/2006/main" xmlns:r="http://schemas.openxmlformats.org/officeDocument/2006/relationships" xmlns:p="http://schemas.openxmlformats.org/presentationml/2006/main">
   <p:cSld>
+    <p:spTree>
+      <p:nvGrpSpPr>
+        <p:cNvPr id="1" name=""/>
+        <p:cNvGrpSpPr/>
+        <p:nvPr/>
+      </p:nvGrpSpPr>
+      <p:grpSpPr>
+        <a:xfrm>
+          <a:off x="0" y="0"/>
+          <a:ext cx="0" cy="0"/>
+          <a:chOff x="0" y="0"/>
+          <a:chExt cx="0" cy="0"/>
+        </a:xfrm>
+      </p:grpSpPr>
+      <p:sp>
+        <p:nvSpPr>
+          <p:cNvPr id="2" name="Title 1">
+            <a:extLst>
+              <a:ext uri="{FF2B5EF4-FFF2-40B4-BE49-F238E27FC236}">
+                <a16:creationId xmlns:a16="http://schemas.microsoft.com/office/drawing/2014/main" id="{976B7C23-67CA-46D7-8E6E-6325EF064630}"/>
+              </a:ext>
+            </a:extLst>
+          </p:cNvPr>
+          <p:cNvSpPr>
+            <a:spLocks noGrp="1"/>
+          </p:cNvSpPr>
+          <p:nvPr>
+            <p:ph type="title"/>
+          </p:nvPr>
+        </p:nvSpPr>
+        <p:spPr>
+          <a:xfrm>
+            <a:off x="838200" y="396930"/>
+            <a:ext cx="10515600" cy="756009"/>
+          </a:xfrm>
+        </p:spPr>
+        <p:txBody>
+          <a:bodyPr/>
+          <a:lstStyle/>
+          <a:p>
+            <a:r>
+              <a:rPr lang="en-US" dirty="0">
+                <a:latin typeface="Franklin Gothic Book" panose="020B0503020102020204" pitchFamily="34" charset="0"/>
+              </a:rPr>
+              <a:t>Model Training and Evaluation of the Result</a:t>
+            </a:r>
+          </a:p>
+        </p:txBody>
+      </p:sp>
+      <p:sp>
+        <p:nvSpPr>
+          <p:cNvPr id="3" name="Content Placeholder 2">
+            <a:extLst>
+              <a:ext uri="{FF2B5EF4-FFF2-40B4-BE49-F238E27FC236}">
+                <a16:creationId xmlns:a16="http://schemas.microsoft.com/office/drawing/2014/main" id="{D67BD02C-74C8-4D0F-A9FF-979369B86C05}"/>
+              </a:ext>
+            </a:extLst>
+          </p:cNvPr>
+          <p:cNvSpPr>
+            <a:spLocks noGrp="1"/>
+          </p:cNvSpPr>
+          <p:nvPr>
+            <p:ph idx="1"/>
+          </p:nvPr>
+        </p:nvSpPr>
+        <p:spPr>
+          <a:xfrm>
+            <a:off x="838200" y="1558455"/>
+            <a:ext cx="10515600" cy="4969566"/>
+          </a:xfrm>
+        </p:spPr>
+        <p:txBody>
+          <a:bodyPr>
+            <a:normAutofit/>
+          </a:bodyPr>
+          <a:lstStyle/>
+          <a:p>
+            <a:r>
+              <a:rPr lang="en-US" dirty="0"/>
+              <a:t>In the final step, we are going to build a recurrent neural network to train our model.</a:t>
+            </a:r>
+          </a:p>
+          <a:p>
+            <a:r>
+              <a:rPr lang="en-US" dirty="0"/>
+              <a:t>At first, we will train our proposed model with small dataset which will contain about 3000 Java function with solution</a:t>
+            </a:r>
+          </a:p>
+          <a:p>
+            <a:r>
+              <a:rPr lang="en-US" dirty="0"/>
+              <a:t>After analyzing the data , we will take initiative for running the model big data set. </a:t>
+            </a:r>
+          </a:p>
+          <a:p>
+            <a:r>
+              <a:rPr lang="en-US" dirty="0"/>
+              <a:t>We will evaluate the result and try different mechanism to get a better result.</a:t>
+            </a:r>
+            <a:br>
+              <a:rPr lang="en-US" dirty="0"/>
+            </a:br>
+            <a:endParaRPr lang="en-US" dirty="0"/>
+          </a:p>
+        </p:txBody>
+      </p:sp>
+    </p:spTree>
+    <p:extLst>
+      <p:ext uri="{BB962C8B-B14F-4D97-AF65-F5344CB8AC3E}">
+        <p14:creationId xmlns:p14="http://schemas.microsoft.com/office/powerpoint/2010/main" val="1147076096"/>
+      </p:ext>
+    </p:extLst>
+  </p:cSld>
+  <p:clrMapOvr>
+    <a:masterClrMapping/>
+  </p:clrMapOvr>
+</p:sld>
+</file>
+
+<file path=ppt/slides/slide26.xml><?xml version="1.0" encoding="utf-8"?>
+<p:sld xmlns:a="http://schemas.openxmlformats.org/drawingml/2006/main" xmlns:r="http://schemas.openxmlformats.org/officeDocument/2006/relationships" xmlns:p="http://schemas.openxmlformats.org/presentationml/2006/main">
+  <p:cSld>
+    <p:spTree>
+      <p:nvGrpSpPr>
+        <p:cNvPr id="1" name=""/>
+        <p:cNvGrpSpPr/>
+        <p:nvPr/>
+      </p:nvGrpSpPr>
+      <p:grpSpPr>
+        <a:xfrm>
+          <a:off x="0" y="0"/>
+          <a:ext cx="0" cy="0"/>
+          <a:chOff x="0" y="0"/>
+          <a:chExt cx="0" cy="0"/>
+        </a:xfrm>
+      </p:grpSpPr>
+      <p:sp>
+        <p:nvSpPr>
+          <p:cNvPr id="2" name="Title 1"/>
+          <p:cNvSpPr>
+            <a:spLocks noGrp="1"/>
+          </p:cNvSpPr>
+          <p:nvPr>
+            <p:ph type="title"/>
+          </p:nvPr>
+        </p:nvSpPr>
+        <p:spPr>
+          <a:xfrm>
+            <a:off x="838200" y="365125"/>
+            <a:ext cx="10515600" cy="773719"/>
+          </a:xfrm>
+        </p:spPr>
+        <p:txBody>
+          <a:bodyPr/>
+          <a:lstStyle/>
+          <a:p>
+            <a:r>
+              <a:rPr lang="en-US" dirty="0">
+                <a:latin typeface="Franklin Gothic Book" panose="020B0503020102020204" pitchFamily="34" charset="0"/>
+              </a:rPr>
+              <a:t>Interested Papers for Model</a:t>
+            </a:r>
+          </a:p>
+        </p:txBody>
+      </p:sp>
+      <p:sp>
+        <p:nvSpPr>
+          <p:cNvPr id="3" name="Content Placeholder 2"/>
+          <p:cNvSpPr>
+            <a:spLocks noGrp="1"/>
+          </p:cNvSpPr>
+          <p:nvPr>
+            <p:ph idx="1"/>
+          </p:nvPr>
+        </p:nvSpPr>
+        <p:spPr/>
+        <p:txBody>
+          <a:bodyPr>
+            <a:normAutofit/>
+          </a:bodyPr>
+          <a:lstStyle/>
+          <a:p>
+            <a:pPr marL="514350" indent="-514350">
+              <a:buFont typeface="+mj-lt"/>
+              <a:buAutoNum type="arabicPeriod"/>
+            </a:pPr>
+            <a:r>
+              <a:rPr lang="en-US" b="1" dirty="0"/>
+              <a:t>Tree-to-tree Neural Networks for Program Translation</a:t>
+            </a:r>
+            <a:r>
+              <a:rPr lang="en-US" dirty="0"/>
+              <a:t> </a:t>
+            </a:r>
+            <a:br>
+              <a:rPr lang="en-US" dirty="0"/>
+            </a:br>
+            <a:endParaRPr lang="en-US" dirty="0"/>
+          </a:p>
+        </p:txBody>
+      </p:sp>
+      <p:pic>
+        <p:nvPicPr>
+          <p:cNvPr id="4" name="Picture 3"/>
+          <p:cNvPicPr>
+            <a:picLocks noChangeAspect="1"/>
+          </p:cNvPicPr>
+          <p:nvPr/>
+        </p:nvPicPr>
+        <p:blipFill>
+          <a:blip r:embed="rId2">
+            <a:extLst>
+              <a:ext uri="{28A0092B-C50C-407E-A947-70E740481C1C}">
+                <a14:useLocalDpi xmlns:a14="http://schemas.microsoft.com/office/drawing/2010/main" val="0"/>
+              </a:ext>
+            </a:extLst>
+          </a:blip>
+          <a:stretch>
+            <a:fillRect/>
+          </a:stretch>
+        </p:blipFill>
+        <p:spPr>
+          <a:xfrm>
+            <a:off x="1282764" y="2277686"/>
+            <a:ext cx="9626472" cy="4256117"/>
+          </a:xfrm>
+          <a:prstGeom prst="rect">
+            <a:avLst/>
+          </a:prstGeom>
+        </p:spPr>
+      </p:pic>
+    </p:spTree>
+    <p:extLst>
+      <p:ext uri="{BB962C8B-B14F-4D97-AF65-F5344CB8AC3E}">
+        <p14:creationId xmlns:p14="http://schemas.microsoft.com/office/powerpoint/2010/main" val="457732224"/>
+      </p:ext>
+    </p:extLst>
+  </p:cSld>
+  <p:clrMapOvr>
+    <a:masterClrMapping/>
+  </p:clrMapOvr>
+</p:sld>
+</file>
+
+<file path=ppt/slides/slide27.xml><?xml version="1.0" encoding="utf-8"?>
+<p:sld xmlns:a="http://schemas.openxmlformats.org/drawingml/2006/main" xmlns:r="http://schemas.openxmlformats.org/officeDocument/2006/relationships" xmlns:p="http://schemas.openxmlformats.org/presentationml/2006/main">
+  <p:cSld>
+    <p:spTree>
+      <p:nvGrpSpPr>
+        <p:cNvPr id="1" name=""/>
+        <p:cNvGrpSpPr/>
+        <p:nvPr/>
+      </p:nvGrpSpPr>
+      <p:grpSpPr>
+        <a:xfrm>
+          <a:off x="0" y="0"/>
+          <a:ext cx="0" cy="0"/>
+          <a:chOff x="0" y="0"/>
+          <a:chExt cx="0" cy="0"/>
+        </a:xfrm>
+      </p:grpSpPr>
+      <p:sp>
+        <p:nvSpPr>
+          <p:cNvPr id="2" name="Title 1"/>
+          <p:cNvSpPr>
+            <a:spLocks noGrp="1"/>
+          </p:cNvSpPr>
+          <p:nvPr>
+            <p:ph type="title"/>
+          </p:nvPr>
+        </p:nvSpPr>
+        <p:spPr>
+          <a:xfrm>
+            <a:off x="838200" y="365125"/>
+            <a:ext cx="10515600" cy="773719"/>
+          </a:xfrm>
+        </p:spPr>
+        <p:txBody>
+          <a:bodyPr/>
+          <a:lstStyle/>
+          <a:p>
+            <a:r>
+              <a:rPr lang="en-US" dirty="0">
+                <a:latin typeface="Franklin Gothic Book" panose="020B0503020102020204" pitchFamily="34" charset="0"/>
+              </a:rPr>
+              <a:t>Interested Papers for Model</a:t>
+            </a:r>
+          </a:p>
+        </p:txBody>
+      </p:sp>
+      <p:sp>
+        <p:nvSpPr>
+          <p:cNvPr id="3" name="Content Placeholder 2"/>
+          <p:cNvSpPr>
+            <a:spLocks noGrp="1"/>
+          </p:cNvSpPr>
+          <p:nvPr>
+            <p:ph idx="1"/>
+          </p:nvPr>
+        </p:nvSpPr>
+        <p:spPr/>
+        <p:txBody>
+          <a:bodyPr>
+            <a:normAutofit/>
+          </a:bodyPr>
+          <a:lstStyle/>
+          <a:p>
+            <a:pPr marL="0" indent="0">
+              <a:buNone/>
+            </a:pPr>
+            <a:r>
+              <a:rPr lang="en-US" b="1" dirty="0"/>
+              <a:t>2.   CODIT: Code Editing with Tree-Based Neural Machine Translation </a:t>
+            </a:r>
+            <a:br>
+              <a:rPr lang="en-US" b="1" dirty="0"/>
+            </a:br>
+            <a:endParaRPr lang="en-US" b="1" dirty="0"/>
+          </a:p>
+        </p:txBody>
+      </p:sp>
+      <p:pic>
+        <p:nvPicPr>
+          <p:cNvPr id="4" name="Picture 3"/>
+          <p:cNvPicPr>
+            <a:picLocks noChangeAspect="1"/>
+          </p:cNvPicPr>
+          <p:nvPr/>
+        </p:nvPicPr>
+        <p:blipFill>
+          <a:blip r:embed="rId2">
+            <a:extLst>
+              <a:ext uri="{28A0092B-C50C-407E-A947-70E740481C1C}">
+                <a14:useLocalDpi xmlns:a14="http://schemas.microsoft.com/office/drawing/2010/main" val="0"/>
+              </a:ext>
+            </a:extLst>
+          </a:blip>
+          <a:stretch>
+            <a:fillRect/>
+          </a:stretch>
+        </p:blipFill>
+        <p:spPr>
+          <a:xfrm>
+            <a:off x="2389171" y="2271417"/>
+            <a:ext cx="6497134" cy="4316822"/>
+          </a:xfrm>
+          <a:prstGeom prst="rect">
+            <a:avLst/>
+          </a:prstGeom>
+        </p:spPr>
+      </p:pic>
+    </p:spTree>
+    <p:extLst>
+      <p:ext uri="{BB962C8B-B14F-4D97-AF65-F5344CB8AC3E}">
+        <p14:creationId xmlns:p14="http://schemas.microsoft.com/office/powerpoint/2010/main" val="786585805"/>
+      </p:ext>
+    </p:extLst>
+  </p:cSld>
+  <p:clrMapOvr>
+    <a:masterClrMapping/>
+  </p:clrMapOvr>
+</p:sld>
+</file>
+
+<file path=ppt/slides/slide28.xml><?xml version="1.0" encoding="utf-8"?>
+<p:sld xmlns:a="http://schemas.openxmlformats.org/drawingml/2006/main" xmlns:r="http://schemas.openxmlformats.org/officeDocument/2006/relationships" xmlns:p="http://schemas.openxmlformats.org/presentationml/2006/main">
+  <p:cSld>
+    <p:spTree>
+      <p:nvGrpSpPr>
+        <p:cNvPr id="1" name=""/>
+        <p:cNvGrpSpPr/>
+        <p:nvPr/>
+      </p:nvGrpSpPr>
+      <p:grpSpPr>
+        <a:xfrm>
+          <a:off x="0" y="0"/>
+          <a:ext cx="0" cy="0"/>
+          <a:chOff x="0" y="0"/>
+          <a:chExt cx="0" cy="0"/>
+        </a:xfrm>
+      </p:grpSpPr>
+      <p:sp>
+        <p:nvSpPr>
+          <p:cNvPr id="2" name="Title 1"/>
+          <p:cNvSpPr>
+            <a:spLocks noGrp="1"/>
+          </p:cNvSpPr>
+          <p:nvPr>
+            <p:ph type="title"/>
+          </p:nvPr>
+        </p:nvSpPr>
+        <p:spPr>
+          <a:xfrm>
+            <a:off x="838200" y="365125"/>
+            <a:ext cx="10515600" cy="823595"/>
+          </a:xfrm>
+        </p:spPr>
+        <p:txBody>
+          <a:bodyPr/>
+          <a:lstStyle/>
+          <a:p>
+            <a:r>
+              <a:rPr lang="en-US" dirty="0">
+                <a:latin typeface="Franklin Gothic Book" panose="020B0503020102020204" pitchFamily="34" charset="0"/>
+              </a:rPr>
+              <a:t>Our Neural Network Model</a:t>
+            </a:r>
+          </a:p>
+        </p:txBody>
+      </p:sp>
+      <p:sp>
+        <p:nvSpPr>
+          <p:cNvPr id="3" name="Content Placeholder 2"/>
+          <p:cNvSpPr>
+            <a:spLocks noGrp="1"/>
+          </p:cNvSpPr>
+          <p:nvPr>
+            <p:ph idx="1"/>
+          </p:nvPr>
+        </p:nvSpPr>
+        <p:spPr>
+          <a:xfrm>
+            <a:off x="838200" y="1825625"/>
+            <a:ext cx="10515600" cy="4351338"/>
+          </a:xfrm>
+        </p:spPr>
+        <p:txBody>
+          <a:bodyPr/>
+          <a:lstStyle/>
+          <a:p>
+            <a:r>
+              <a:rPr lang="en-US" dirty="0"/>
+              <a:t>Neural Network Embedding</a:t>
+            </a:r>
+          </a:p>
+          <a:p>
+            <a:r>
+              <a:rPr lang="en-US" dirty="0"/>
+              <a:t>Encoder-Decoder</a:t>
+            </a:r>
+          </a:p>
+          <a:p>
+            <a:r>
+              <a:rPr lang="en-US" dirty="0"/>
+              <a:t>Attention mechanism</a:t>
+            </a:r>
+          </a:p>
+          <a:p>
+            <a:r>
+              <a:rPr lang="en-US" dirty="0"/>
+              <a:t>Tree LSTM</a:t>
+            </a:r>
+          </a:p>
+          <a:p>
+            <a:pPr marL="0" indent="0">
+              <a:buNone/>
+            </a:pPr>
+            <a:endParaRPr lang="en-US" dirty="0"/>
+          </a:p>
+        </p:txBody>
+      </p:sp>
+    </p:spTree>
+    <p:extLst>
+      <p:ext uri="{BB962C8B-B14F-4D97-AF65-F5344CB8AC3E}">
+        <p14:creationId xmlns:p14="http://schemas.microsoft.com/office/powerpoint/2010/main" val="1024877930"/>
+      </p:ext>
+    </p:extLst>
+  </p:cSld>
+  <p:clrMapOvr>
+    <a:masterClrMapping/>
+  </p:clrMapOvr>
+</p:sld>
+</file>
+
+<file path=ppt/slides/slide29.xml><?xml version="1.0" encoding="utf-8"?>
+<p:sld xmlns:a="http://schemas.openxmlformats.org/drawingml/2006/main" xmlns:r="http://schemas.openxmlformats.org/officeDocument/2006/relationships" xmlns:p="http://schemas.openxmlformats.org/presentationml/2006/main">
+  <p:cSld>
+    <p:spTree>
+      <p:nvGrpSpPr>
+        <p:cNvPr id="1" name=""/>
+        <p:cNvGrpSpPr/>
+        <p:nvPr/>
+      </p:nvGrpSpPr>
+      <p:grpSpPr>
+        <a:xfrm>
+          <a:off x="0" y="0"/>
+          <a:ext cx="0" cy="0"/>
+          <a:chOff x="0" y="0"/>
+          <a:chExt cx="0" cy="0"/>
+        </a:xfrm>
+      </p:grpSpPr>
+      <p:sp>
+        <p:nvSpPr>
+          <p:cNvPr id="2" name="Title 1"/>
+          <p:cNvSpPr>
+            <a:spLocks noGrp="1"/>
+          </p:cNvSpPr>
+          <p:nvPr>
+            <p:ph type="title"/>
+          </p:nvPr>
+        </p:nvSpPr>
+        <p:spPr>
+          <a:xfrm>
+            <a:off x="838200" y="365126"/>
+            <a:ext cx="10515600" cy="898410"/>
+          </a:xfrm>
+        </p:spPr>
+        <p:txBody>
+          <a:bodyPr/>
+          <a:lstStyle/>
+          <a:p>
+            <a:r>
+              <a:rPr lang="en-US" dirty="0">
+                <a:latin typeface="Franklin Gothic Book" panose="020B0503020102020204" pitchFamily="34" charset="0"/>
+              </a:rPr>
+              <a:t>Other Thoughts</a:t>
+            </a:r>
+          </a:p>
+        </p:txBody>
+      </p:sp>
+      <p:sp>
+        <p:nvSpPr>
+          <p:cNvPr id="3" name="Content Placeholder 2"/>
+          <p:cNvSpPr>
+            <a:spLocks noGrp="1"/>
+          </p:cNvSpPr>
+          <p:nvPr>
+            <p:ph idx="1"/>
+          </p:nvPr>
+        </p:nvSpPr>
+        <p:spPr/>
+        <p:txBody>
+          <a:bodyPr/>
+          <a:lstStyle/>
+          <a:p>
+            <a:r>
+              <a:rPr lang="en-US" dirty="0"/>
+              <a:t>Conventional LSTM</a:t>
+            </a:r>
+          </a:p>
+          <a:p>
+            <a:r>
+              <a:rPr lang="en-US" dirty="0"/>
+              <a:t>Word to Vector in place of Embedding</a:t>
+            </a:r>
+          </a:p>
+          <a:p>
+            <a:endParaRPr lang="en-US" dirty="0"/>
+          </a:p>
+        </p:txBody>
+      </p:sp>
+    </p:spTree>
+    <p:extLst>
+      <p:ext uri="{BB962C8B-B14F-4D97-AF65-F5344CB8AC3E}">
+        <p14:creationId xmlns:p14="http://schemas.microsoft.com/office/powerpoint/2010/main" val="2059398425"/>
+      </p:ext>
+    </p:extLst>
+  </p:cSld>
+  <p:clrMapOvr>
+    <a:masterClrMapping/>
+  </p:clrMapOvr>
+</p:sld>
+</file>
+
+<file path=ppt/slides/slide3.xml><?xml version="1.0" encoding="utf-8"?>
+<p:sld xmlns:a="http://schemas.openxmlformats.org/drawingml/2006/main" xmlns:r="http://schemas.openxmlformats.org/officeDocument/2006/relationships" xmlns:p="http://schemas.openxmlformats.org/presentationml/2006/main">
+  <p:cSld>
+    <p:spTree>
+      <p:nvGrpSpPr>
+        <p:cNvPr id="1" name=""/>
+        <p:cNvGrpSpPr/>
+        <p:nvPr/>
+      </p:nvGrpSpPr>
+      <p:grpSpPr>
+        <a:xfrm>
+          <a:off x="0" y="0"/>
+          <a:ext cx="0" cy="0"/>
+          <a:chOff x="0" y="0"/>
+          <a:chExt cx="0" cy="0"/>
+        </a:xfrm>
+      </p:grpSpPr>
+      <p:sp>
+        <p:nvSpPr>
+          <p:cNvPr id="2" name="Title 1">
+            <a:extLst>
+              <a:ext uri="{FF2B5EF4-FFF2-40B4-BE49-F238E27FC236}">
+                <a16:creationId xmlns:a16="http://schemas.microsoft.com/office/drawing/2014/main" id="{E93CA3FE-BA0C-4288-A8BF-E8830D37F026}"/>
+              </a:ext>
+            </a:extLst>
+          </p:cNvPr>
+          <p:cNvSpPr>
+            <a:spLocks noGrp="1"/>
+          </p:cNvSpPr>
+          <p:nvPr>
+            <p:ph type="title"/>
+          </p:nvPr>
+        </p:nvSpPr>
+        <p:spPr>
+          <a:xfrm>
+            <a:off x="838200" y="365126"/>
+            <a:ext cx="10515600" cy="811668"/>
+          </a:xfrm>
+        </p:spPr>
+        <p:txBody>
+          <a:bodyPr/>
+          <a:lstStyle/>
+          <a:p>
+            <a:r>
+              <a:rPr lang="en-US" dirty="0">
+                <a:latin typeface="Franklin Gothic Book" panose="020B0503020102020204" pitchFamily="34" charset="0"/>
+              </a:rPr>
+              <a:t>Problem Description</a:t>
+            </a:r>
+          </a:p>
+        </p:txBody>
+      </p:sp>
+      <p:sp>
+        <p:nvSpPr>
+          <p:cNvPr id="3" name="Content Placeholder 2">
+            <a:extLst>
+              <a:ext uri="{FF2B5EF4-FFF2-40B4-BE49-F238E27FC236}">
+                <a16:creationId xmlns:a16="http://schemas.microsoft.com/office/drawing/2014/main" id="{13661D3B-4E5A-40D8-AB9C-21489FE79819}"/>
+              </a:ext>
+            </a:extLst>
+          </p:cNvPr>
+          <p:cNvSpPr>
+            <a:spLocks noGrp="1"/>
+          </p:cNvSpPr>
+          <p:nvPr>
+            <p:ph idx="1"/>
+          </p:nvPr>
+        </p:nvSpPr>
+        <p:spPr>
+          <a:xfrm>
+            <a:off x="838200" y="1841930"/>
+            <a:ext cx="10515600" cy="4137452"/>
+          </a:xfrm>
+        </p:spPr>
+        <p:txBody>
+          <a:bodyPr>
+            <a:normAutofit/>
+          </a:bodyPr>
+          <a:lstStyle/>
+          <a:p>
+            <a:r>
+              <a:rPr lang="en-US" dirty="0"/>
+              <a:t>In this problem , we are going to deal with SQL(Structured Query Language) injection vulnerability</a:t>
+            </a:r>
+          </a:p>
+          <a:p>
+            <a:r>
+              <a:rPr lang="en-US" dirty="0"/>
+              <a:t>There are many existing java codes which are using JDBC(Java Database Connectivity) , an application programming interface (API) to connect database from java code</a:t>
+            </a:r>
+          </a:p>
+          <a:p>
+            <a:r>
+              <a:rPr lang="en-US" dirty="0"/>
+              <a:t>In those java codes, programmers unintentionally make mistake which can lead to SQL injection vulnerability</a:t>
+            </a:r>
+          </a:p>
+          <a:p>
+            <a:r>
+              <a:rPr lang="en-US" dirty="0"/>
+              <a:t>Attackers can attack these vulnerabilities to gain access to the database, modify the information of the database</a:t>
+            </a:r>
+          </a:p>
+        </p:txBody>
+      </p:sp>
+    </p:spTree>
+    <p:extLst>
+      <p:ext uri="{BB962C8B-B14F-4D97-AF65-F5344CB8AC3E}">
+        <p14:creationId xmlns:p14="http://schemas.microsoft.com/office/powerpoint/2010/main" val="2643472283"/>
+      </p:ext>
+    </p:extLst>
+  </p:cSld>
+  <p:clrMapOvr>
+    <a:masterClrMapping/>
+  </p:clrMapOvr>
+</p:sld>
+</file>
+
+<file path=ppt/slides/slide30.xml><?xml version="1.0" encoding="utf-8"?>
+<p:sld xmlns:a="http://schemas.openxmlformats.org/drawingml/2006/main" xmlns:r="http://schemas.openxmlformats.org/officeDocument/2006/relationships" xmlns:p="http://schemas.openxmlformats.org/presentationml/2006/main">
+  <p:cSld>
+    <p:spTree>
+      <p:nvGrpSpPr>
+        <p:cNvPr id="1" name=""/>
+        <p:cNvGrpSpPr/>
+        <p:nvPr/>
+      </p:nvGrpSpPr>
+      <p:grpSpPr>
+        <a:xfrm>
+          <a:off x="0" y="0"/>
+          <a:ext cx="0" cy="0"/>
+          <a:chOff x="0" y="0"/>
+          <a:chExt cx="0" cy="0"/>
+        </a:xfrm>
+      </p:grpSpPr>
+      <p:sp>
+        <p:nvSpPr>
+          <p:cNvPr id="2" name="Title 1"/>
+          <p:cNvSpPr>
+            <a:spLocks noGrp="1"/>
+          </p:cNvSpPr>
+          <p:nvPr>
+            <p:ph type="title"/>
+          </p:nvPr>
+        </p:nvSpPr>
+        <p:spPr>
+          <a:xfrm>
+            <a:off x="838200" y="481504"/>
+            <a:ext cx="10515600" cy="723842"/>
+          </a:xfrm>
+        </p:spPr>
+        <p:txBody>
+          <a:bodyPr/>
+          <a:lstStyle/>
+          <a:p>
+            <a:r>
+              <a:rPr lang="en-US" dirty="0">
+                <a:latin typeface="Franklin Gothic Book" panose="020B0503020102020204" pitchFamily="34" charset="0"/>
+              </a:rPr>
+              <a:t>Why Neural Network Embedding </a:t>
+            </a:r>
+          </a:p>
+        </p:txBody>
+      </p:sp>
+      <p:sp>
+        <p:nvSpPr>
+          <p:cNvPr id="3" name="Content Placeholder 2"/>
+          <p:cNvSpPr>
+            <a:spLocks noGrp="1"/>
+          </p:cNvSpPr>
+          <p:nvPr>
+            <p:ph idx="1"/>
+          </p:nvPr>
+        </p:nvSpPr>
+        <p:spPr/>
+        <p:txBody>
+          <a:bodyPr/>
+          <a:lstStyle/>
+          <a:p>
+            <a:r>
+              <a:rPr lang="en-US" i="1" dirty="0"/>
+              <a:t>An embedding is a mapping of a discrete — categorical — variable to a vector of continuous numbers.</a:t>
+            </a:r>
+            <a:r>
+              <a:rPr lang="en-US" dirty="0"/>
+              <a:t> In the context of neural networks, embedding are </a:t>
+            </a:r>
+            <a:r>
+              <a:rPr lang="en-US" i="1" dirty="0"/>
+              <a:t>low-dimensional,</a:t>
+            </a:r>
+            <a:r>
+              <a:rPr lang="en-US" dirty="0"/>
+              <a:t> </a:t>
+            </a:r>
+            <a:r>
+              <a:rPr lang="en-US" i="1" dirty="0"/>
+              <a:t>learned</a:t>
+            </a:r>
+            <a:r>
+              <a:rPr lang="en-US" dirty="0"/>
+              <a:t> continuous vector representations of discrete variables.</a:t>
+            </a:r>
+          </a:p>
+          <a:p>
+            <a:r>
+              <a:rPr lang="en-US" dirty="0"/>
+              <a:t>One of the primary purposes of Neural Network Embedding is finding nearest neighbors in the embedding space. These can be used to make recommendations based on user interests or cluster categories.</a:t>
+            </a:r>
+          </a:p>
+          <a:p>
+            <a:pPr marL="0" indent="0">
+              <a:buNone/>
+            </a:pPr>
+            <a:r>
+              <a:rPr lang="en-US" dirty="0"/>
+              <a:t>As our keywords and data types are of limited numbers. That’s why we think it would work nicely.</a:t>
+            </a:r>
+          </a:p>
+          <a:p>
+            <a:pPr marL="0" indent="0">
+              <a:buNone/>
+            </a:pPr>
+            <a:endParaRPr lang="en-US" dirty="0"/>
+          </a:p>
+          <a:p>
+            <a:endParaRPr lang="en-US" dirty="0"/>
+          </a:p>
+        </p:txBody>
+      </p:sp>
+    </p:spTree>
+    <p:extLst>
+      <p:ext uri="{BB962C8B-B14F-4D97-AF65-F5344CB8AC3E}">
+        <p14:creationId xmlns:p14="http://schemas.microsoft.com/office/powerpoint/2010/main" val="2364895168"/>
+      </p:ext>
+    </p:extLst>
+  </p:cSld>
+  <p:clrMapOvr>
+    <a:masterClrMapping/>
+  </p:clrMapOvr>
+</p:sld>
+</file>
+
+<file path=ppt/slides/slide31.xml><?xml version="1.0" encoding="utf-8"?>
+<p:sld xmlns:a="http://schemas.openxmlformats.org/drawingml/2006/main" xmlns:r="http://schemas.openxmlformats.org/officeDocument/2006/relationships" xmlns:p="http://schemas.openxmlformats.org/presentationml/2006/main">
+  <p:cSld>
+    <p:spTree>
+      <p:nvGrpSpPr>
+        <p:cNvPr id="1" name=""/>
+        <p:cNvGrpSpPr/>
+        <p:nvPr/>
+      </p:nvGrpSpPr>
+      <p:grpSpPr>
+        <a:xfrm>
+          <a:off x="0" y="0"/>
+          <a:ext cx="0" cy="0"/>
+          <a:chOff x="0" y="0"/>
+          <a:chExt cx="0" cy="0"/>
+        </a:xfrm>
+      </p:grpSpPr>
+      <p:sp>
+        <p:nvSpPr>
+          <p:cNvPr id="2" name="Title 1"/>
+          <p:cNvSpPr>
+            <a:spLocks noGrp="1"/>
+          </p:cNvSpPr>
+          <p:nvPr>
+            <p:ph type="title"/>
+          </p:nvPr>
+        </p:nvSpPr>
+        <p:spPr>
+          <a:xfrm>
+            <a:off x="838200" y="381750"/>
+            <a:ext cx="10515600" cy="848533"/>
+          </a:xfrm>
+        </p:spPr>
+        <p:txBody>
+          <a:bodyPr/>
+          <a:lstStyle/>
+          <a:p>
+            <a:r>
+              <a:rPr lang="en-US" dirty="0">
+                <a:latin typeface="Franklin Gothic Book" panose="020B0503020102020204" pitchFamily="34" charset="0"/>
+              </a:rPr>
+              <a:t>Why Tree-LSTM</a:t>
+            </a:r>
+          </a:p>
+        </p:txBody>
+      </p:sp>
+      <p:sp>
+        <p:nvSpPr>
+          <p:cNvPr id="3" name="Content Placeholder 2"/>
+          <p:cNvSpPr>
+            <a:spLocks noGrp="1"/>
+          </p:cNvSpPr>
+          <p:nvPr>
+            <p:ph idx="1"/>
+          </p:nvPr>
+        </p:nvSpPr>
+        <p:spPr/>
+        <p:txBody>
+          <a:bodyPr>
+            <a:normAutofit lnSpcReduction="10000"/>
+          </a:bodyPr>
+          <a:lstStyle/>
+          <a:p>
+            <a:r>
+              <a:rPr lang="en-US" dirty="0"/>
+              <a:t>Order-insensitive models are insufficient to fully capture the semantics of natural language due to their inability to account for differences in meaning as a result of differences in word order</a:t>
+            </a:r>
+            <a:br>
+              <a:rPr lang="en-US" dirty="0"/>
+            </a:br>
+            <a:r>
+              <a:rPr lang="en-US" dirty="0"/>
+              <a:t>or syntactic structure.</a:t>
+            </a:r>
+          </a:p>
+          <a:p>
+            <a:r>
+              <a:rPr lang="en-US" dirty="0"/>
+              <a:t>In the paper “</a:t>
+            </a:r>
+            <a:r>
+              <a:rPr lang="en-US" b="1" dirty="0"/>
+              <a:t>Improved Semantic Representations From</a:t>
+            </a:r>
+            <a:br>
+              <a:rPr lang="en-US" b="1" dirty="0"/>
+            </a:br>
+            <a:r>
+              <a:rPr lang="en-US" b="1" dirty="0"/>
+              <a:t>Tree-Structured Long Short-Term Memory Networks</a:t>
+            </a:r>
+            <a:r>
+              <a:rPr lang="en-US" dirty="0"/>
+              <a:t>” they have shown that tree-structured models are a linguistically attractive option due to their relation to syntactic interpretations of sentence structure. </a:t>
+            </a:r>
+          </a:p>
+          <a:p>
+            <a:pPr marL="0" indent="0">
+              <a:buNone/>
+            </a:pPr>
+            <a:br>
+              <a:rPr lang="en-US" dirty="0"/>
+            </a:br>
+            <a:endParaRPr lang="en-US" dirty="0"/>
+          </a:p>
+        </p:txBody>
+      </p:sp>
+    </p:spTree>
+    <p:extLst>
+      <p:ext uri="{BB962C8B-B14F-4D97-AF65-F5344CB8AC3E}">
+        <p14:creationId xmlns:p14="http://schemas.microsoft.com/office/powerpoint/2010/main" val="2171911062"/>
+      </p:ext>
+    </p:extLst>
+  </p:cSld>
+  <p:clrMapOvr>
+    <a:masterClrMapping/>
+  </p:clrMapOvr>
+</p:sld>
+</file>
+
+<file path=ppt/slides/slide32.xml><?xml version="1.0" encoding="utf-8"?>
+<p:sld xmlns:a="http://schemas.openxmlformats.org/drawingml/2006/main" xmlns:r="http://schemas.openxmlformats.org/officeDocument/2006/relationships" xmlns:p="http://schemas.openxmlformats.org/presentationml/2006/main">
+  <p:cSld>
+    <p:spTree>
+      <p:nvGrpSpPr>
+        <p:cNvPr id="1" name=""/>
+        <p:cNvGrpSpPr/>
+        <p:nvPr/>
+      </p:nvGrpSpPr>
+      <p:grpSpPr>
+        <a:xfrm>
+          <a:off x="0" y="0"/>
+          <a:ext cx="0" cy="0"/>
+          <a:chOff x="0" y="0"/>
+          <a:chExt cx="0" cy="0"/>
+        </a:xfrm>
+      </p:grpSpPr>
+      <p:sp>
+        <p:nvSpPr>
+          <p:cNvPr id="2" name="Title 1"/>
+          <p:cNvSpPr>
+            <a:spLocks noGrp="1"/>
+          </p:cNvSpPr>
+          <p:nvPr>
+            <p:ph type="title"/>
+          </p:nvPr>
+        </p:nvSpPr>
+        <p:spPr>
+          <a:xfrm>
+            <a:off x="838200" y="365126"/>
+            <a:ext cx="10515600" cy="923348"/>
+          </a:xfrm>
+        </p:spPr>
+        <p:txBody>
+          <a:bodyPr/>
+          <a:lstStyle/>
+          <a:p>
+            <a:pPr algn="ctr"/>
+            <a:r>
+              <a:rPr lang="en-US" dirty="0">
+                <a:latin typeface="Franklin Gothic Book" panose="020B0503020102020204" pitchFamily="34" charset="0"/>
+              </a:rPr>
+              <a:t>LSTM vs Tree-LSTM</a:t>
+            </a:r>
+          </a:p>
+        </p:txBody>
+      </p:sp>
+      <p:pic>
+        <p:nvPicPr>
+          <p:cNvPr id="4" name="Content Placeholder 3"/>
+          <p:cNvPicPr>
+            <a:picLocks noGrp="1" noChangeAspect="1"/>
+          </p:cNvPicPr>
+          <p:nvPr>
+            <p:ph idx="1"/>
+          </p:nvPr>
+        </p:nvPicPr>
+        <p:blipFill>
+          <a:blip r:embed="rId2" cstate="print">
+            <a:extLst>
+              <a:ext uri="{28A0092B-C50C-407E-A947-70E740481C1C}">
+                <a14:useLocalDpi xmlns:a14="http://schemas.microsoft.com/office/drawing/2010/main" val="0"/>
+              </a:ext>
+            </a:extLst>
+          </a:blip>
+          <a:stretch>
+            <a:fillRect/>
+          </a:stretch>
+        </p:blipFill>
+        <p:spPr>
+          <a:xfrm>
+            <a:off x="2859579" y="1446416"/>
+            <a:ext cx="6567056" cy="5070762"/>
+          </a:xfrm>
+        </p:spPr>
+      </p:pic>
+    </p:spTree>
+    <p:extLst>
+      <p:ext uri="{BB962C8B-B14F-4D97-AF65-F5344CB8AC3E}">
+        <p14:creationId xmlns:p14="http://schemas.microsoft.com/office/powerpoint/2010/main" val="731329910"/>
+      </p:ext>
+    </p:extLst>
+  </p:cSld>
+  <p:clrMapOvr>
+    <a:masterClrMapping/>
+  </p:clrMapOvr>
+</p:sld>
+</file>
+
+<file path=ppt/slides/slide33.xml><?xml version="1.0" encoding="utf-8"?>
+<p:sld xmlns:a="http://schemas.openxmlformats.org/drawingml/2006/main" xmlns:r="http://schemas.openxmlformats.org/officeDocument/2006/relationships" xmlns:p="http://schemas.openxmlformats.org/presentationml/2006/main">
+  <p:cSld>
+    <p:spTree>
+      <p:nvGrpSpPr>
+        <p:cNvPr id="1" name=""/>
+        <p:cNvGrpSpPr/>
+        <p:nvPr/>
+      </p:nvGrpSpPr>
+      <p:grpSpPr>
+        <a:xfrm>
+          <a:off x="0" y="0"/>
+          <a:ext cx="0" cy="0"/>
+          <a:chOff x="0" y="0"/>
+          <a:chExt cx="0" cy="0"/>
+        </a:xfrm>
+      </p:grpSpPr>
+      <p:sp>
+        <p:nvSpPr>
+          <p:cNvPr id="2" name="Title 1"/>
+          <p:cNvSpPr>
+            <a:spLocks noGrp="1"/>
+          </p:cNvSpPr>
+          <p:nvPr>
+            <p:ph type="title"/>
+          </p:nvPr>
+        </p:nvSpPr>
+        <p:spPr>
+          <a:xfrm>
+            <a:off x="838200" y="365125"/>
+            <a:ext cx="10515600" cy="682279"/>
+          </a:xfrm>
+        </p:spPr>
+        <p:txBody>
+          <a:bodyPr>
+            <a:normAutofit fontScale="90000"/>
+          </a:bodyPr>
+          <a:lstStyle/>
+          <a:p>
+            <a:r>
+              <a:rPr lang="en-US" dirty="0">
+                <a:latin typeface="Franklin Gothic Book" panose="020B0503020102020204" pitchFamily="34" charset="0"/>
+              </a:rPr>
+              <a:t>Why Tree-LSTM</a:t>
+            </a:r>
+          </a:p>
+        </p:txBody>
+      </p:sp>
+      <p:sp>
+        <p:nvSpPr>
+          <p:cNvPr id="3" name="Content Placeholder 2"/>
+          <p:cNvSpPr>
+            <a:spLocks noGrp="1"/>
+          </p:cNvSpPr>
+          <p:nvPr>
+            <p:ph idx="1"/>
+          </p:nvPr>
+        </p:nvSpPr>
+        <p:spPr>
+          <a:xfrm>
+            <a:off x="838200" y="1833937"/>
+            <a:ext cx="10515600" cy="4716491"/>
+          </a:xfrm>
+        </p:spPr>
+        <p:txBody>
+          <a:bodyPr>
+            <a:normAutofit fontScale="77500" lnSpcReduction="20000"/>
+          </a:bodyPr>
+          <a:lstStyle/>
+          <a:p>
+            <a:pPr marL="0" indent="0">
+              <a:buNone/>
+            </a:pPr>
+            <a:r>
+              <a:rPr lang="en-US" sz="3600" dirty="0"/>
+              <a:t>They propose two natural extensions to the basic LSTM architecture: </a:t>
+            </a:r>
+          </a:p>
+          <a:p>
+            <a:pPr lvl="1"/>
+            <a:r>
+              <a:rPr lang="en-US" sz="3100" i="1" dirty="0"/>
+              <a:t>Child-Sum Tree-LSTM</a:t>
+            </a:r>
+          </a:p>
+          <a:p>
+            <a:pPr lvl="1"/>
+            <a:r>
+              <a:rPr lang="en-US" sz="3100" i="1" dirty="0"/>
+              <a:t>N-</a:t>
+            </a:r>
+            <a:r>
+              <a:rPr lang="en-US" sz="3100" i="1" dirty="0" err="1"/>
+              <a:t>ary</a:t>
+            </a:r>
+            <a:r>
+              <a:rPr lang="en-US" sz="3100" i="1" dirty="0"/>
+              <a:t> Tree-LSTM</a:t>
+            </a:r>
+            <a:br>
+              <a:rPr lang="en-US" i="1" dirty="0"/>
+            </a:br>
+            <a:endParaRPr lang="en-US" i="1" dirty="0"/>
+          </a:p>
+          <a:p>
+            <a:pPr>
+              <a:lnSpc>
+                <a:spcPct val="100000"/>
+              </a:lnSpc>
+              <a:spcBef>
+                <a:spcPts val="0"/>
+              </a:spcBef>
+            </a:pPr>
+            <a:endParaRPr lang="en-US" sz="2600" dirty="0"/>
+          </a:p>
+          <a:p>
+            <a:pPr>
+              <a:lnSpc>
+                <a:spcPct val="100000"/>
+              </a:lnSpc>
+              <a:spcBef>
+                <a:spcPts val="0"/>
+              </a:spcBef>
+            </a:pPr>
+            <a:r>
+              <a:rPr lang="en-US" sz="2600" dirty="0"/>
+              <a:t>The difference between the standard</a:t>
+            </a:r>
+            <a:br>
+              <a:rPr lang="en-US" sz="2600" dirty="0"/>
+            </a:br>
+            <a:r>
+              <a:rPr lang="en-US" sz="2600" dirty="0"/>
+              <a:t>LSTM unit and Tree-LSTM units is that gating</a:t>
+            </a:r>
+            <a:br>
+              <a:rPr lang="en-US" sz="2600" dirty="0"/>
+            </a:br>
+            <a:r>
+              <a:rPr lang="en-US" sz="2600" dirty="0"/>
+              <a:t>vectors and memory cell updates are </a:t>
+            </a:r>
+          </a:p>
+          <a:p>
+            <a:pPr marL="0" indent="0">
+              <a:lnSpc>
+                <a:spcPct val="100000"/>
+              </a:lnSpc>
+              <a:spcBef>
+                <a:spcPts val="0"/>
+              </a:spcBef>
+              <a:buNone/>
+            </a:pPr>
+            <a:r>
+              <a:rPr lang="en-US" sz="2600" dirty="0"/>
+              <a:t>   dependent on the states of possibly many </a:t>
+            </a:r>
+          </a:p>
+          <a:p>
+            <a:pPr marL="0" indent="0">
+              <a:lnSpc>
+                <a:spcPct val="100000"/>
+              </a:lnSpc>
+              <a:spcBef>
+                <a:spcPts val="0"/>
+              </a:spcBef>
+              <a:buNone/>
+            </a:pPr>
+            <a:r>
+              <a:rPr lang="en-US" sz="2600" dirty="0"/>
+              <a:t>   child units. </a:t>
+            </a:r>
+          </a:p>
+          <a:p>
+            <a:pPr marL="0" indent="0">
+              <a:lnSpc>
+                <a:spcPct val="100000"/>
+              </a:lnSpc>
+              <a:spcBef>
+                <a:spcPts val="0"/>
+              </a:spcBef>
+              <a:buNone/>
+            </a:pPr>
+            <a:endParaRPr lang="en-US" sz="2600" dirty="0"/>
+          </a:p>
+          <a:p>
+            <a:pPr>
+              <a:lnSpc>
+                <a:spcPct val="100000"/>
+              </a:lnSpc>
+              <a:spcBef>
+                <a:spcPts val="0"/>
+              </a:spcBef>
+            </a:pPr>
+            <a:r>
+              <a:rPr lang="en-US" sz="2600" dirty="0"/>
+              <a:t>Additionally, instead of a single forget gate, </a:t>
+            </a:r>
+          </a:p>
+          <a:p>
+            <a:pPr marL="0" indent="0">
+              <a:lnSpc>
+                <a:spcPct val="100000"/>
+              </a:lnSpc>
+              <a:spcBef>
+                <a:spcPts val="0"/>
+              </a:spcBef>
+              <a:buNone/>
+            </a:pPr>
+            <a:r>
+              <a:rPr lang="en-US" sz="2600" dirty="0"/>
+              <a:t>   the Tree LSTM unit contains one forget gate </a:t>
+            </a:r>
+          </a:p>
+          <a:p>
+            <a:pPr marL="0" indent="0">
+              <a:lnSpc>
+                <a:spcPct val="100000"/>
+              </a:lnSpc>
+              <a:spcBef>
+                <a:spcPts val="0"/>
+              </a:spcBef>
+              <a:buNone/>
+            </a:pPr>
+            <a:r>
+              <a:rPr lang="en-US" sz="2600" i="1" dirty="0"/>
+              <a:t>   </a:t>
+            </a:r>
+            <a:r>
+              <a:rPr lang="en-US" sz="2600" i="1" dirty="0" err="1"/>
+              <a:t>f</a:t>
+            </a:r>
+            <a:r>
+              <a:rPr lang="en-US" sz="1700" i="1" dirty="0" err="1"/>
+              <a:t>jk</a:t>
+            </a:r>
+            <a:r>
+              <a:rPr lang="en-US" sz="2600" i="1" dirty="0"/>
+              <a:t> </a:t>
+            </a:r>
+            <a:r>
+              <a:rPr lang="en-US" sz="2600" dirty="0"/>
+              <a:t>for each child </a:t>
+            </a:r>
+            <a:r>
+              <a:rPr lang="en-US" sz="2600" i="1" dirty="0"/>
+              <a:t>k</a:t>
+            </a:r>
+            <a:r>
+              <a:rPr lang="en-US" sz="2600" dirty="0"/>
+              <a:t>. </a:t>
+            </a:r>
+            <a:br>
+              <a:rPr lang="en-US" sz="2600" dirty="0"/>
+            </a:br>
+            <a:br>
+              <a:rPr lang="en-US" dirty="0"/>
+            </a:br>
+            <a:endParaRPr lang="en-US" dirty="0"/>
+          </a:p>
+        </p:txBody>
+      </p:sp>
+      <p:pic>
+        <p:nvPicPr>
+          <p:cNvPr id="4" name="Picture 3"/>
+          <p:cNvPicPr>
+            <a:picLocks noChangeAspect="1"/>
+          </p:cNvPicPr>
+          <p:nvPr/>
+        </p:nvPicPr>
+        <p:blipFill>
+          <a:blip r:embed="rId2">
+            <a:extLst>
+              <a:ext uri="{28A0092B-C50C-407E-A947-70E740481C1C}">
+                <a14:useLocalDpi xmlns:a14="http://schemas.microsoft.com/office/drawing/2010/main" val="0"/>
+              </a:ext>
+            </a:extLst>
+          </a:blip>
+          <a:stretch>
+            <a:fillRect/>
+          </a:stretch>
+        </p:blipFill>
+        <p:spPr>
+          <a:xfrm>
+            <a:off x="6617175" y="2452255"/>
+            <a:ext cx="4736625" cy="3876271"/>
+          </a:xfrm>
+          <a:prstGeom prst="rect">
+            <a:avLst/>
+          </a:prstGeom>
+        </p:spPr>
+      </p:pic>
+    </p:spTree>
+    <p:extLst>
+      <p:ext uri="{BB962C8B-B14F-4D97-AF65-F5344CB8AC3E}">
+        <p14:creationId xmlns:p14="http://schemas.microsoft.com/office/powerpoint/2010/main" val="1102024747"/>
+      </p:ext>
+    </p:extLst>
+  </p:cSld>
+  <p:clrMapOvr>
+    <a:masterClrMapping/>
+  </p:clrMapOvr>
+</p:sld>
+</file>
+
+<file path=ppt/slides/slide34.xml><?xml version="1.0" encoding="utf-8"?>
+<p:sld xmlns:a="http://schemas.openxmlformats.org/drawingml/2006/main" xmlns:r="http://schemas.openxmlformats.org/officeDocument/2006/relationships" xmlns:p="http://schemas.openxmlformats.org/presentationml/2006/main">
+  <p:cSld>
     <p:bg>
       <p:bgPr>
         <a:solidFill>
@@ -10027,7 +11364,456 @@
 </p:sld>
 </file>
 
-<file path=ppt/slides/slide26.xml><?xml version="1.0" encoding="utf-8"?>
+<file path=ppt/slides/slide35.xml><?xml version="1.0" encoding="utf-8"?>
+<p:sld xmlns:a="http://schemas.openxmlformats.org/drawingml/2006/main" xmlns:r="http://schemas.openxmlformats.org/officeDocument/2006/relationships" xmlns:p="http://schemas.openxmlformats.org/presentationml/2006/main">
+  <p:cSld>
+    <p:spTree>
+      <p:nvGrpSpPr>
+        <p:cNvPr id="1" name=""/>
+        <p:cNvGrpSpPr/>
+        <p:nvPr/>
+      </p:nvGrpSpPr>
+      <p:grpSpPr>
+        <a:xfrm>
+          <a:off x="0" y="0"/>
+          <a:ext cx="0" cy="0"/>
+          <a:chOff x="0" y="0"/>
+          <a:chExt cx="0" cy="0"/>
+        </a:xfrm>
+      </p:grpSpPr>
+      <p:sp>
+        <p:nvSpPr>
+          <p:cNvPr id="2" name="Title 1">
+            <a:extLst>
+              <a:ext uri="{FF2B5EF4-FFF2-40B4-BE49-F238E27FC236}">
+                <a16:creationId xmlns:a16="http://schemas.microsoft.com/office/drawing/2014/main" id="{790D5372-3A97-4224-91D3-E993241D3D95}"/>
+              </a:ext>
+            </a:extLst>
+          </p:cNvPr>
+          <p:cNvSpPr>
+            <a:spLocks noGrp="1"/>
+          </p:cNvSpPr>
+          <p:nvPr>
+            <p:ph type="title"/>
+          </p:nvPr>
+        </p:nvSpPr>
+        <p:spPr>
+          <a:xfrm>
+            <a:off x="838200" y="365125"/>
+            <a:ext cx="10515600" cy="682279"/>
+          </a:xfrm>
+        </p:spPr>
+        <p:txBody>
+          <a:bodyPr>
+            <a:normAutofit fontScale="90000"/>
+          </a:bodyPr>
+          <a:lstStyle/>
+          <a:p>
+            <a:r>
+              <a:rPr lang="en-US" dirty="0">
+                <a:latin typeface="Franklin Gothic Book" panose="020B0503020102020204" pitchFamily="34" charset="0"/>
+              </a:rPr>
+              <a:t>Work Done So Far</a:t>
+            </a:r>
+          </a:p>
+        </p:txBody>
+      </p:sp>
+      <p:sp>
+        <p:nvSpPr>
+          <p:cNvPr id="3" name="Content Placeholder 2">
+            <a:extLst>
+              <a:ext uri="{FF2B5EF4-FFF2-40B4-BE49-F238E27FC236}">
+                <a16:creationId xmlns:a16="http://schemas.microsoft.com/office/drawing/2014/main" id="{FEF21E47-912C-40F3-8896-4AA79ABA928C}"/>
+              </a:ext>
+            </a:extLst>
+          </p:cNvPr>
+          <p:cNvSpPr>
+            <a:spLocks noGrp="1"/>
+          </p:cNvSpPr>
+          <p:nvPr>
+            <p:ph idx="1"/>
+          </p:nvPr>
+        </p:nvSpPr>
+        <p:spPr>
+          <a:xfrm>
+            <a:off x="838200" y="1346662"/>
+            <a:ext cx="10515600" cy="4830301"/>
+          </a:xfrm>
+        </p:spPr>
+        <p:txBody>
+          <a:bodyPr/>
+          <a:lstStyle/>
+          <a:p>
+            <a:r>
+              <a:rPr lang="en-US" dirty="0"/>
+              <a:t>We collected the code from “</a:t>
+            </a:r>
+            <a:r>
+              <a:rPr lang="en-US" b="1" i="1" dirty="0"/>
+              <a:t>On automated prepared statement generation to remove SQL injection vulnerabilities</a:t>
+            </a:r>
+            <a:r>
+              <a:rPr lang="en-US" dirty="0"/>
+              <a:t>” by </a:t>
+            </a:r>
+            <a:r>
+              <a:rPr lang="en-US" b="1" dirty="0"/>
+              <a:t>Stephen Thomas </a:t>
+            </a:r>
+            <a:r>
+              <a:rPr lang="en-US" dirty="0"/>
+              <a:t>, </a:t>
+            </a:r>
+            <a:r>
+              <a:rPr lang="en-US" b="1" dirty="0"/>
+              <a:t>Laurie Williams</a:t>
+            </a:r>
+            <a:r>
+              <a:rPr lang="en-US" dirty="0"/>
+              <a:t>, </a:t>
+            </a:r>
+            <a:r>
+              <a:rPr lang="en-US" b="1" dirty="0"/>
+              <a:t>Tao </a:t>
+            </a:r>
+            <a:r>
+              <a:rPr lang="en-US" b="1" dirty="0" err="1"/>
+              <a:t>Xie</a:t>
+            </a:r>
+            <a:r>
+              <a:rPr lang="en-US" b="1" dirty="0"/>
+              <a:t>. </a:t>
+            </a:r>
+            <a:r>
+              <a:rPr lang="en-US" dirty="0"/>
+              <a:t>It helped us for a better understanding of their proposed algorithm.</a:t>
+            </a:r>
+          </a:p>
+          <a:p>
+            <a:r>
+              <a:rPr lang="en-US" dirty="0"/>
+              <a:t>We wrote a python file, which  uses </a:t>
+            </a:r>
+            <a:r>
+              <a:rPr lang="en-US" dirty="0" err="1"/>
+              <a:t>Github</a:t>
+            </a:r>
+            <a:r>
+              <a:rPr lang="en-US" dirty="0"/>
+              <a:t> API, </a:t>
+            </a:r>
+            <a:r>
+              <a:rPr lang="en-US" dirty="0" err="1"/>
+              <a:t>mySQL</a:t>
+            </a:r>
+            <a:r>
+              <a:rPr lang="en-US" dirty="0"/>
+              <a:t> database and a local Apache server to collect Java project link and download project.</a:t>
+            </a:r>
+          </a:p>
+          <a:p>
+            <a:r>
+              <a:rPr lang="en-US" dirty="0"/>
+              <a:t>We collected about millions of project link and downloaded about 5 Gigabyte project.</a:t>
+            </a:r>
+          </a:p>
+          <a:p>
+            <a:r>
+              <a:rPr lang="en-US" dirty="0"/>
+              <a:t>We used a bash script to find out SQL query in any java file and store them in separate folder.</a:t>
+            </a:r>
+          </a:p>
+          <a:p>
+            <a:endParaRPr lang="en-US" dirty="0"/>
+          </a:p>
+        </p:txBody>
+      </p:sp>
+    </p:spTree>
+    <p:extLst>
+      <p:ext uri="{BB962C8B-B14F-4D97-AF65-F5344CB8AC3E}">
+        <p14:creationId xmlns:p14="http://schemas.microsoft.com/office/powerpoint/2010/main" val="4293845321"/>
+      </p:ext>
+    </p:extLst>
+  </p:cSld>
+  <p:clrMapOvr>
+    <a:masterClrMapping/>
+  </p:clrMapOvr>
+</p:sld>
+</file>
+
+<file path=ppt/slides/slide36.xml><?xml version="1.0" encoding="utf-8"?>
+<p:sld xmlns:a="http://schemas.openxmlformats.org/drawingml/2006/main" xmlns:r="http://schemas.openxmlformats.org/officeDocument/2006/relationships" xmlns:p="http://schemas.openxmlformats.org/presentationml/2006/main">
+  <p:cSld>
+    <p:spTree>
+      <p:nvGrpSpPr>
+        <p:cNvPr id="1" name=""/>
+        <p:cNvGrpSpPr/>
+        <p:nvPr/>
+      </p:nvGrpSpPr>
+      <p:grpSpPr>
+        <a:xfrm>
+          <a:off x="0" y="0"/>
+          <a:ext cx="0" cy="0"/>
+          <a:chOff x="0" y="0"/>
+          <a:chExt cx="0" cy="0"/>
+        </a:xfrm>
+      </p:grpSpPr>
+      <p:sp>
+        <p:nvSpPr>
+          <p:cNvPr id="2" name="Title 1">
+            <a:extLst>
+              <a:ext uri="{FF2B5EF4-FFF2-40B4-BE49-F238E27FC236}">
+                <a16:creationId xmlns:a16="http://schemas.microsoft.com/office/drawing/2014/main" id="{790D5372-3A97-4224-91D3-E993241D3D95}"/>
+              </a:ext>
+            </a:extLst>
+          </p:cNvPr>
+          <p:cNvSpPr>
+            <a:spLocks noGrp="1"/>
+          </p:cNvSpPr>
+          <p:nvPr>
+            <p:ph type="title"/>
+          </p:nvPr>
+        </p:nvSpPr>
+        <p:spPr>
+          <a:xfrm>
+            <a:off x="838200" y="365125"/>
+            <a:ext cx="10515600" cy="682279"/>
+          </a:xfrm>
+        </p:spPr>
+        <p:txBody>
+          <a:bodyPr>
+            <a:normAutofit fontScale="90000"/>
+          </a:bodyPr>
+          <a:lstStyle/>
+          <a:p>
+            <a:r>
+              <a:rPr lang="en-US" dirty="0">
+                <a:latin typeface="Franklin Gothic Book" panose="020B0503020102020204" pitchFamily="34" charset="0"/>
+              </a:rPr>
+              <a:t>Work Done So Far</a:t>
+            </a:r>
+          </a:p>
+        </p:txBody>
+      </p:sp>
+      <p:sp>
+        <p:nvSpPr>
+          <p:cNvPr id="3" name="Content Placeholder 2">
+            <a:extLst>
+              <a:ext uri="{FF2B5EF4-FFF2-40B4-BE49-F238E27FC236}">
+                <a16:creationId xmlns:a16="http://schemas.microsoft.com/office/drawing/2014/main" id="{FEF21E47-912C-40F3-8896-4AA79ABA928C}"/>
+              </a:ext>
+            </a:extLst>
+          </p:cNvPr>
+          <p:cNvSpPr>
+            <a:spLocks noGrp="1"/>
+          </p:cNvSpPr>
+          <p:nvPr>
+            <p:ph idx="1"/>
+          </p:nvPr>
+        </p:nvSpPr>
+        <p:spPr>
+          <a:xfrm>
+            <a:off x="838200" y="1346663"/>
+            <a:ext cx="10515600" cy="3632662"/>
+          </a:xfrm>
+        </p:spPr>
+        <p:txBody>
+          <a:bodyPr>
+            <a:normAutofit/>
+          </a:bodyPr>
+          <a:lstStyle/>
+          <a:p>
+            <a:r>
+              <a:rPr lang="en-US" dirty="0"/>
+              <a:t>After this process, we used </a:t>
+            </a:r>
+            <a:r>
+              <a:rPr lang="en-US" dirty="0" err="1"/>
+              <a:t>JavaParser</a:t>
+            </a:r>
+            <a:r>
+              <a:rPr lang="en-US" dirty="0"/>
+              <a:t> to get functions of this java file and encapsulate with a dummy class as </a:t>
+            </a:r>
+            <a:r>
+              <a:rPr lang="en-US" dirty="0" err="1"/>
+              <a:t>JavaParser</a:t>
+            </a:r>
+            <a:r>
+              <a:rPr lang="en-US" dirty="0"/>
+              <a:t> uses class a root compilation unit and stored this dummy classes in separated folder.</a:t>
+            </a:r>
+          </a:p>
+          <a:p>
+            <a:r>
+              <a:rPr lang="en-US" dirty="0"/>
+              <a:t>We then found out which java functions including SQL query, we only need them.</a:t>
+            </a:r>
+          </a:p>
+          <a:p>
+            <a:r>
+              <a:rPr lang="en-US" dirty="0"/>
+              <a:t>Then, we again used </a:t>
+            </a:r>
+            <a:r>
+              <a:rPr lang="en-US" dirty="0" err="1"/>
+              <a:t>JavaParser</a:t>
+            </a:r>
+            <a:r>
+              <a:rPr lang="en-US" dirty="0"/>
+              <a:t> to get AST from the functions and string literals for our future use. We got about 10,000 java functions.</a:t>
+            </a:r>
+          </a:p>
+          <a:p>
+            <a:r>
+              <a:rPr lang="en-US" dirty="0"/>
+              <a:t>After this, we manually built solution for those java functions.</a:t>
+            </a:r>
+          </a:p>
+        </p:txBody>
+      </p:sp>
+    </p:spTree>
+    <p:extLst>
+      <p:ext uri="{BB962C8B-B14F-4D97-AF65-F5344CB8AC3E}">
+        <p14:creationId xmlns:p14="http://schemas.microsoft.com/office/powerpoint/2010/main" val="1239376610"/>
+      </p:ext>
+    </p:extLst>
+  </p:cSld>
+  <p:clrMapOvr>
+    <a:masterClrMapping/>
+  </p:clrMapOvr>
+</p:sld>
+</file>
+
+<file path=ppt/slides/slide37.xml><?xml version="1.0" encoding="utf-8"?>
+<p:sld xmlns:a="http://schemas.openxmlformats.org/drawingml/2006/main" xmlns:r="http://schemas.openxmlformats.org/officeDocument/2006/relationships" xmlns:p="http://schemas.openxmlformats.org/presentationml/2006/main">
+  <p:cSld>
+    <p:spTree>
+      <p:nvGrpSpPr>
+        <p:cNvPr id="1" name=""/>
+        <p:cNvGrpSpPr/>
+        <p:nvPr/>
+      </p:nvGrpSpPr>
+      <p:grpSpPr>
+        <a:xfrm>
+          <a:off x="0" y="0"/>
+          <a:ext cx="0" cy="0"/>
+          <a:chOff x="0" y="0"/>
+          <a:chExt cx="0" cy="0"/>
+        </a:xfrm>
+      </p:grpSpPr>
+      <p:sp>
+        <p:nvSpPr>
+          <p:cNvPr id="2" name="Title 1">
+            <a:extLst>
+              <a:ext uri="{FF2B5EF4-FFF2-40B4-BE49-F238E27FC236}">
+                <a16:creationId xmlns:a16="http://schemas.microsoft.com/office/drawing/2014/main" id="{790D5372-3A97-4224-91D3-E993241D3D95}"/>
+              </a:ext>
+            </a:extLst>
+          </p:cNvPr>
+          <p:cNvSpPr>
+            <a:spLocks noGrp="1"/>
+          </p:cNvSpPr>
+          <p:nvPr>
+            <p:ph type="title"/>
+          </p:nvPr>
+        </p:nvSpPr>
+        <p:spPr>
+          <a:xfrm>
+            <a:off x="838200" y="365125"/>
+            <a:ext cx="10515600" cy="682279"/>
+          </a:xfrm>
+        </p:spPr>
+        <p:txBody>
+          <a:bodyPr>
+            <a:normAutofit fontScale="90000"/>
+          </a:bodyPr>
+          <a:lstStyle/>
+          <a:p>
+            <a:r>
+              <a:rPr lang="en-US" dirty="0">
+                <a:latin typeface="Franklin Gothic Book" panose="020B0503020102020204" pitchFamily="34" charset="0"/>
+              </a:rPr>
+              <a:t>Work Done So Far</a:t>
+            </a:r>
+          </a:p>
+        </p:txBody>
+      </p:sp>
+      <p:sp>
+        <p:nvSpPr>
+          <p:cNvPr id="3" name="Content Placeholder 2">
+            <a:extLst>
+              <a:ext uri="{FF2B5EF4-FFF2-40B4-BE49-F238E27FC236}">
+                <a16:creationId xmlns:a16="http://schemas.microsoft.com/office/drawing/2014/main" id="{FEF21E47-912C-40F3-8896-4AA79ABA928C}"/>
+              </a:ext>
+            </a:extLst>
+          </p:cNvPr>
+          <p:cNvSpPr>
+            <a:spLocks noGrp="1"/>
+          </p:cNvSpPr>
+          <p:nvPr>
+            <p:ph idx="1"/>
+          </p:nvPr>
+        </p:nvSpPr>
+        <p:spPr>
+          <a:xfrm>
+            <a:off x="838200" y="1346662"/>
+            <a:ext cx="10515600" cy="4830301"/>
+          </a:xfrm>
+        </p:spPr>
+        <p:txBody>
+          <a:bodyPr>
+            <a:normAutofit/>
+          </a:bodyPr>
+          <a:lstStyle/>
+          <a:p>
+            <a:r>
+              <a:rPr lang="en-US" dirty="0"/>
+              <a:t>We considered only executed query by JDBC and skipped rest of them.</a:t>
+            </a:r>
+          </a:p>
+          <a:p>
+            <a:r>
+              <a:rPr lang="en-US" dirty="0"/>
+              <a:t>Till now, we separated about 1000 Java functions from 2000 files. </a:t>
+            </a:r>
+          </a:p>
+          <a:p>
+            <a:r>
+              <a:rPr lang="en-US" dirty="0"/>
+              <a:t>In parallel, we learn about machine learning, deep learning, various variant of Recurrent Neural network model.</a:t>
+            </a:r>
+          </a:p>
+          <a:p>
+            <a:r>
+              <a:rPr lang="en-US" dirty="0"/>
+              <a:t>We collected data set and code for the paper “</a:t>
+            </a:r>
+            <a:r>
+              <a:rPr lang="en-US" b="1" dirty="0"/>
+              <a:t>Tree-to-tree Neural Networks for Program Translation” . </a:t>
+            </a:r>
+            <a:r>
+              <a:rPr lang="en-US" dirty="0"/>
+              <a:t>It will help us to build our own model</a:t>
+            </a:r>
+          </a:p>
+        </p:txBody>
+      </p:sp>
+    </p:spTree>
+    <p:extLst>
+      <p:ext uri="{BB962C8B-B14F-4D97-AF65-F5344CB8AC3E}">
+        <p14:creationId xmlns:p14="http://schemas.microsoft.com/office/powerpoint/2010/main" val="1320421545"/>
+      </p:ext>
+    </p:extLst>
+  </p:cSld>
+  <p:clrMapOvr>
+    <a:masterClrMapping/>
+  </p:clrMapOvr>
+</p:sld>
+</file>
+
+<file path=ppt/slides/slide38.xml><?xml version="1.0" encoding="utf-8"?>
 <p:sld xmlns:a="http://schemas.openxmlformats.org/drawingml/2006/main" xmlns:r="http://schemas.openxmlformats.org/officeDocument/2006/relationships" xmlns:p="http://schemas.openxmlformats.org/presentationml/2006/main">
   <p:cSld>
     <p:bg>
@@ -10194,7 +11980,237 @@
 </p:sld>
 </file>
 
-<file path=ppt/slides/slide27.xml><?xml version="1.0" encoding="utf-8"?>
+<file path=ppt/slides/slide39.xml><?xml version="1.0" encoding="utf-8"?>
+<p:sld xmlns:a="http://schemas.openxmlformats.org/drawingml/2006/main" xmlns:r="http://schemas.openxmlformats.org/officeDocument/2006/relationships" xmlns:p="http://schemas.openxmlformats.org/presentationml/2006/main">
+  <p:cSld>
+    <p:spTree>
+      <p:nvGrpSpPr>
+        <p:cNvPr id="1" name=""/>
+        <p:cNvGrpSpPr/>
+        <p:nvPr/>
+      </p:nvGrpSpPr>
+      <p:grpSpPr>
+        <a:xfrm>
+          <a:off x="0" y="0"/>
+          <a:ext cx="0" cy="0"/>
+          <a:chOff x="0" y="0"/>
+          <a:chExt cx="0" cy="0"/>
+        </a:xfrm>
+      </p:grpSpPr>
+      <p:sp>
+        <p:nvSpPr>
+          <p:cNvPr id="2" name="Title 1">
+            <a:extLst>
+              <a:ext uri="{FF2B5EF4-FFF2-40B4-BE49-F238E27FC236}">
+                <a16:creationId xmlns:a16="http://schemas.microsoft.com/office/drawing/2014/main" id="{790D5372-3A97-4224-91D3-E993241D3D95}"/>
+              </a:ext>
+            </a:extLst>
+          </p:cNvPr>
+          <p:cNvSpPr>
+            <a:spLocks noGrp="1"/>
+          </p:cNvSpPr>
+          <p:nvPr>
+            <p:ph type="title"/>
+          </p:nvPr>
+        </p:nvSpPr>
+        <p:spPr>
+          <a:xfrm>
+            <a:off x="838200" y="365125"/>
+            <a:ext cx="10515600" cy="682279"/>
+          </a:xfrm>
+        </p:spPr>
+        <p:txBody>
+          <a:bodyPr>
+            <a:normAutofit fontScale="90000"/>
+          </a:bodyPr>
+          <a:lstStyle/>
+          <a:p>
+            <a:r>
+              <a:rPr lang="en-US" dirty="0">
+                <a:latin typeface="Franklin Gothic Book" panose="020B0503020102020204" pitchFamily="34" charset="0"/>
+              </a:rPr>
+              <a:t>Plan for the Future</a:t>
+            </a:r>
+          </a:p>
+        </p:txBody>
+      </p:sp>
+      <p:sp>
+        <p:nvSpPr>
+          <p:cNvPr id="3" name="Content Placeholder 2">
+            <a:extLst>
+              <a:ext uri="{FF2B5EF4-FFF2-40B4-BE49-F238E27FC236}">
+                <a16:creationId xmlns:a16="http://schemas.microsoft.com/office/drawing/2014/main" id="{FEF21E47-912C-40F3-8896-4AA79ABA928C}"/>
+              </a:ext>
+            </a:extLst>
+          </p:cNvPr>
+          <p:cNvSpPr>
+            <a:spLocks noGrp="1"/>
+          </p:cNvSpPr>
+          <p:nvPr>
+            <p:ph idx="1"/>
+          </p:nvPr>
+        </p:nvSpPr>
+        <p:spPr>
+          <a:xfrm>
+            <a:off x="838200" y="1346662"/>
+            <a:ext cx="10515600" cy="4830301"/>
+          </a:xfrm>
+        </p:spPr>
+        <p:txBody>
+          <a:bodyPr>
+            <a:normAutofit/>
+          </a:bodyPr>
+          <a:lstStyle/>
+          <a:p>
+            <a:r>
+              <a:rPr lang="en-US" dirty="0"/>
+              <a:t>As we now know the way to make the solution and get the AST from the code, we will parallelly build our model and prepare more data for testing the model</a:t>
+            </a:r>
+          </a:p>
+          <a:p>
+            <a:r>
+              <a:rPr lang="en-US" dirty="0"/>
+              <a:t>Our model will be motivated from two papers described earlier; we communicate both the papers’ authors. But we only got response from one paper’s author. We will continue our approach to get idea from other.</a:t>
+            </a:r>
+          </a:p>
+          <a:p>
+            <a:r>
+              <a:rPr lang="en-US" dirty="0"/>
+              <a:t>After the test run of our model, we will need to collect more and more data and fix them for train our actual model.</a:t>
+            </a:r>
+          </a:p>
+          <a:p>
+            <a:r>
+              <a:rPr lang="en-US" dirty="0"/>
+              <a:t>In the final step, we have to evaluate the result and validate it.</a:t>
+            </a:r>
+          </a:p>
+        </p:txBody>
+      </p:sp>
+    </p:spTree>
+    <p:extLst>
+      <p:ext uri="{BB962C8B-B14F-4D97-AF65-F5344CB8AC3E}">
+        <p14:creationId xmlns:p14="http://schemas.microsoft.com/office/powerpoint/2010/main" val="3683987939"/>
+      </p:ext>
+    </p:extLst>
+  </p:cSld>
+  <p:clrMapOvr>
+    <a:masterClrMapping/>
+  </p:clrMapOvr>
+</p:sld>
+</file>
+
+<file path=ppt/slides/slide4.xml><?xml version="1.0" encoding="utf-8"?>
+<p:sld xmlns:a="http://schemas.openxmlformats.org/drawingml/2006/main" xmlns:r="http://schemas.openxmlformats.org/officeDocument/2006/relationships" xmlns:p="http://schemas.openxmlformats.org/presentationml/2006/main">
+  <p:cSld>
+    <p:spTree>
+      <p:nvGrpSpPr>
+        <p:cNvPr id="1" name=""/>
+        <p:cNvGrpSpPr/>
+        <p:nvPr/>
+      </p:nvGrpSpPr>
+      <p:grpSpPr>
+        <a:xfrm>
+          <a:off x="0" y="0"/>
+          <a:ext cx="0" cy="0"/>
+          <a:chOff x="0" y="0"/>
+          <a:chExt cx="0" cy="0"/>
+        </a:xfrm>
+      </p:grpSpPr>
+      <p:sp>
+        <p:nvSpPr>
+          <p:cNvPr id="2" name="Title 1">
+            <a:extLst>
+              <a:ext uri="{FF2B5EF4-FFF2-40B4-BE49-F238E27FC236}">
+                <a16:creationId xmlns:a16="http://schemas.microsoft.com/office/drawing/2014/main" id="{1058F4D1-9B83-4CAE-9CE9-50D650004366}"/>
+              </a:ext>
+            </a:extLst>
+          </p:cNvPr>
+          <p:cNvSpPr>
+            <a:spLocks noGrp="1"/>
+          </p:cNvSpPr>
+          <p:nvPr>
+            <p:ph type="title"/>
+          </p:nvPr>
+        </p:nvSpPr>
+        <p:spPr>
+          <a:xfrm>
+            <a:off x="838200" y="365126"/>
+            <a:ext cx="10515600" cy="748058"/>
+          </a:xfrm>
+        </p:spPr>
+        <p:txBody>
+          <a:bodyPr/>
+          <a:lstStyle/>
+          <a:p>
+            <a:r>
+              <a:rPr lang="en-US" dirty="0">
+                <a:latin typeface="Franklin Gothic Book" panose="020B0503020102020204" pitchFamily="34" charset="0"/>
+              </a:rPr>
+              <a:t>Objective</a:t>
+            </a:r>
+          </a:p>
+        </p:txBody>
+      </p:sp>
+      <p:sp>
+        <p:nvSpPr>
+          <p:cNvPr id="3" name="Content Placeholder 2">
+            <a:extLst>
+              <a:ext uri="{FF2B5EF4-FFF2-40B4-BE49-F238E27FC236}">
+                <a16:creationId xmlns:a16="http://schemas.microsoft.com/office/drawing/2014/main" id="{47C58CED-541A-4E5D-B63F-DC09D0AD8DE9}"/>
+              </a:ext>
+            </a:extLst>
+          </p:cNvPr>
+          <p:cNvSpPr>
+            <a:spLocks noGrp="1"/>
+          </p:cNvSpPr>
+          <p:nvPr>
+            <p:ph idx="1"/>
+          </p:nvPr>
+        </p:nvSpPr>
+        <p:spPr>
+          <a:xfrm>
+            <a:off x="838200" y="2346271"/>
+            <a:ext cx="10515600" cy="3156668"/>
+          </a:xfrm>
+        </p:spPr>
+        <p:txBody>
+          <a:bodyPr/>
+          <a:lstStyle/>
+          <a:p>
+            <a:r>
+              <a:rPr lang="en-US" dirty="0"/>
+              <a:t>Our main goal is to detect the vulnerable SQL query in java code using JDBC</a:t>
+            </a:r>
+          </a:p>
+          <a:p>
+            <a:r>
+              <a:rPr lang="en-US" dirty="0"/>
+              <a:t>After detecting the vulnerability , we are going to apply deep learning to train a model</a:t>
+            </a:r>
+          </a:p>
+          <a:p>
+            <a:r>
+              <a:rPr lang="en-US" dirty="0"/>
+              <a:t>The trained model will try to convert vulnerable code to  invulnerable  code which will contain an injection free SQL query</a:t>
+            </a:r>
+          </a:p>
+        </p:txBody>
+      </p:sp>
+    </p:spTree>
+    <p:extLst>
+      <p:ext uri="{BB962C8B-B14F-4D97-AF65-F5344CB8AC3E}">
+        <p14:creationId xmlns:p14="http://schemas.microsoft.com/office/powerpoint/2010/main" val="2412115294"/>
+      </p:ext>
+    </p:extLst>
+  </p:cSld>
+  <p:clrMapOvr>
+    <a:masterClrMapping/>
+  </p:clrMapOvr>
+</p:sld>
+</file>
+
+<file path=ppt/slides/slide40.xml><?xml version="1.0" encoding="utf-8"?>
 <p:sld xmlns:a="http://schemas.openxmlformats.org/drawingml/2006/main" xmlns:r="http://schemas.openxmlformats.org/officeDocument/2006/relationships" xmlns:p="http://schemas.openxmlformats.org/presentationml/2006/main">
   <p:cSld>
     <p:bg>
@@ -10982,234 +12998,6 @@
       </p:par>
     </p:tnLst>
   </p:timing>
-</p:sld>
-</file>
-
-<file path=ppt/slides/slide3.xml><?xml version="1.0" encoding="utf-8"?>
-<p:sld xmlns:a="http://schemas.openxmlformats.org/drawingml/2006/main" xmlns:r="http://schemas.openxmlformats.org/officeDocument/2006/relationships" xmlns:p="http://schemas.openxmlformats.org/presentationml/2006/main">
-  <p:cSld>
-    <p:spTree>
-      <p:nvGrpSpPr>
-        <p:cNvPr id="1" name=""/>
-        <p:cNvGrpSpPr/>
-        <p:nvPr/>
-      </p:nvGrpSpPr>
-      <p:grpSpPr>
-        <a:xfrm>
-          <a:off x="0" y="0"/>
-          <a:ext cx="0" cy="0"/>
-          <a:chOff x="0" y="0"/>
-          <a:chExt cx="0" cy="0"/>
-        </a:xfrm>
-      </p:grpSpPr>
-      <p:sp>
-        <p:nvSpPr>
-          <p:cNvPr id="2" name="Title 1">
-            <a:extLst>
-              <a:ext uri="{FF2B5EF4-FFF2-40B4-BE49-F238E27FC236}">
-                <a16:creationId xmlns:a16="http://schemas.microsoft.com/office/drawing/2014/main" id="{E93CA3FE-BA0C-4288-A8BF-E8830D37F026}"/>
-              </a:ext>
-            </a:extLst>
-          </p:cNvPr>
-          <p:cNvSpPr>
-            <a:spLocks noGrp="1"/>
-          </p:cNvSpPr>
-          <p:nvPr>
-            <p:ph type="title"/>
-          </p:nvPr>
-        </p:nvSpPr>
-        <p:spPr>
-          <a:xfrm>
-            <a:off x="838200" y="365126"/>
-            <a:ext cx="10515600" cy="811668"/>
-          </a:xfrm>
-        </p:spPr>
-        <p:txBody>
-          <a:bodyPr/>
-          <a:lstStyle/>
-          <a:p>
-            <a:r>
-              <a:rPr lang="en-US" dirty="0">
-                <a:latin typeface="Franklin Gothic Book" panose="020B0503020102020204" pitchFamily="34" charset="0"/>
-              </a:rPr>
-              <a:t>Problem Description</a:t>
-            </a:r>
-          </a:p>
-        </p:txBody>
-      </p:sp>
-      <p:sp>
-        <p:nvSpPr>
-          <p:cNvPr id="3" name="Content Placeholder 2">
-            <a:extLst>
-              <a:ext uri="{FF2B5EF4-FFF2-40B4-BE49-F238E27FC236}">
-                <a16:creationId xmlns:a16="http://schemas.microsoft.com/office/drawing/2014/main" id="{13661D3B-4E5A-40D8-AB9C-21489FE79819}"/>
-              </a:ext>
-            </a:extLst>
-          </p:cNvPr>
-          <p:cNvSpPr>
-            <a:spLocks noGrp="1"/>
-          </p:cNvSpPr>
-          <p:nvPr>
-            <p:ph idx="1"/>
-          </p:nvPr>
-        </p:nvSpPr>
-        <p:spPr>
-          <a:xfrm>
-            <a:off x="838200" y="1841930"/>
-            <a:ext cx="10515600" cy="4137452"/>
-          </a:xfrm>
-        </p:spPr>
-        <p:txBody>
-          <a:bodyPr>
-            <a:normAutofit/>
-          </a:bodyPr>
-          <a:lstStyle/>
-          <a:p>
-            <a:r>
-              <a:rPr lang="en-US" dirty="0"/>
-              <a:t>In this problem , we are going to deal with SQL(Structured Query Language) injection vulnerability</a:t>
-            </a:r>
-          </a:p>
-          <a:p>
-            <a:r>
-              <a:rPr lang="en-US" dirty="0"/>
-              <a:t>There are many existing java codes which are using JDBC(Java Database Connectivity) , an application programming interface (API) to connect database from java code</a:t>
-            </a:r>
-          </a:p>
-          <a:p>
-            <a:r>
-              <a:rPr lang="en-US" dirty="0"/>
-              <a:t>In those java codes, programmers unintentionally make mistake which can lead to SQL injection vulnerability</a:t>
-            </a:r>
-          </a:p>
-          <a:p>
-            <a:r>
-              <a:rPr lang="en-US" dirty="0"/>
-              <a:t>Attackers can attack these vulnerabilities to gain access to the database, modify the information of the database</a:t>
-            </a:r>
-          </a:p>
-        </p:txBody>
-      </p:sp>
-    </p:spTree>
-    <p:extLst>
-      <p:ext uri="{BB962C8B-B14F-4D97-AF65-F5344CB8AC3E}">
-        <p14:creationId xmlns:p14="http://schemas.microsoft.com/office/powerpoint/2010/main" val="2643472283"/>
-      </p:ext>
-    </p:extLst>
-  </p:cSld>
-  <p:clrMapOvr>
-    <a:masterClrMapping/>
-  </p:clrMapOvr>
-</p:sld>
-</file>
-
-<file path=ppt/slides/slide4.xml><?xml version="1.0" encoding="utf-8"?>
-<p:sld xmlns:a="http://schemas.openxmlformats.org/drawingml/2006/main" xmlns:r="http://schemas.openxmlformats.org/officeDocument/2006/relationships" xmlns:p="http://schemas.openxmlformats.org/presentationml/2006/main">
-  <p:cSld>
-    <p:spTree>
-      <p:nvGrpSpPr>
-        <p:cNvPr id="1" name=""/>
-        <p:cNvGrpSpPr/>
-        <p:nvPr/>
-      </p:nvGrpSpPr>
-      <p:grpSpPr>
-        <a:xfrm>
-          <a:off x="0" y="0"/>
-          <a:ext cx="0" cy="0"/>
-          <a:chOff x="0" y="0"/>
-          <a:chExt cx="0" cy="0"/>
-        </a:xfrm>
-      </p:grpSpPr>
-      <p:sp>
-        <p:nvSpPr>
-          <p:cNvPr id="2" name="Title 1">
-            <a:extLst>
-              <a:ext uri="{FF2B5EF4-FFF2-40B4-BE49-F238E27FC236}">
-                <a16:creationId xmlns:a16="http://schemas.microsoft.com/office/drawing/2014/main" id="{1058F4D1-9B83-4CAE-9CE9-50D650004366}"/>
-              </a:ext>
-            </a:extLst>
-          </p:cNvPr>
-          <p:cNvSpPr>
-            <a:spLocks noGrp="1"/>
-          </p:cNvSpPr>
-          <p:nvPr>
-            <p:ph type="title"/>
-          </p:nvPr>
-        </p:nvSpPr>
-        <p:spPr>
-          <a:xfrm>
-            <a:off x="838200" y="365126"/>
-            <a:ext cx="10515600" cy="748058"/>
-          </a:xfrm>
-        </p:spPr>
-        <p:txBody>
-          <a:bodyPr/>
-          <a:lstStyle/>
-          <a:p>
-            <a:r>
-              <a:rPr lang="en-US" dirty="0">
-                <a:latin typeface="Franklin Gothic Book" panose="020B0503020102020204" pitchFamily="34" charset="0"/>
-              </a:rPr>
-              <a:t>Objective</a:t>
-            </a:r>
-          </a:p>
-        </p:txBody>
-      </p:sp>
-      <p:sp>
-        <p:nvSpPr>
-          <p:cNvPr id="3" name="Content Placeholder 2">
-            <a:extLst>
-              <a:ext uri="{FF2B5EF4-FFF2-40B4-BE49-F238E27FC236}">
-                <a16:creationId xmlns:a16="http://schemas.microsoft.com/office/drawing/2014/main" id="{47C58CED-541A-4E5D-B63F-DC09D0AD8DE9}"/>
-              </a:ext>
-            </a:extLst>
-          </p:cNvPr>
-          <p:cNvSpPr>
-            <a:spLocks noGrp="1"/>
-          </p:cNvSpPr>
-          <p:nvPr>
-            <p:ph idx="1"/>
-          </p:nvPr>
-        </p:nvSpPr>
-        <p:spPr>
-          <a:xfrm>
-            <a:off x="838200" y="2346271"/>
-            <a:ext cx="10515600" cy="3156668"/>
-          </a:xfrm>
-        </p:spPr>
-        <p:txBody>
-          <a:bodyPr/>
-          <a:lstStyle/>
-          <a:p>
-            <a:r>
-              <a:rPr lang="en-US" dirty="0"/>
-              <a:t>Our main goal is to detect the vulnerable SQL query in java code using JDBC</a:t>
-            </a:r>
-          </a:p>
-          <a:p>
-            <a:r>
-              <a:rPr lang="en-US" dirty="0"/>
-              <a:t>After detecting the vulnerability , we are going to apply deep learning to train a model</a:t>
-            </a:r>
-          </a:p>
-          <a:p>
-            <a:r>
-              <a:rPr lang="en-US" dirty="0"/>
-              <a:t>The trained model will try to convert vulnerable code to  invulnerable  code which will contain an injection free SQL query</a:t>
-            </a:r>
-          </a:p>
-        </p:txBody>
-      </p:sp>
-    </p:spTree>
-    <p:extLst>
-      <p:ext uri="{BB962C8B-B14F-4D97-AF65-F5344CB8AC3E}">
-        <p14:creationId xmlns:p14="http://schemas.microsoft.com/office/powerpoint/2010/main" val="2412115294"/>
-      </p:ext>
-    </p:extLst>
-  </p:cSld>
-  <p:clrMapOvr>
-    <a:masterClrMapping/>
-  </p:clrMapOvr>
 </p:sld>
 </file>
 

--- a/Presentation/SQL Vulnerability after 4-1 mid [Autosaved].pptx
+++ b/Presentation/SQL Vulnerability after 4-1 mid [Autosaved].pptx
@@ -16398,11 +16398,12 @@
 </file>
 
 <file path=customXml/item1.xml><?xml version="1.0" encoding="utf-8"?>
-<p:properties xmlns:p="http://schemas.microsoft.com/office/2006/metadata/properties" xmlns:xsi="http://www.w3.org/2001/XMLSchema-instance" xmlns:pc="http://schemas.microsoft.com/office/infopath/2007/PartnerControls">
-  <documentManagement>
-    <MediaServiceKeyPoints xmlns="71af3243-3dd4-4a8d-8c0d-dd76da1f02a5" xsi:nil="true"/>
-  </documentManagement>
-</p:properties>
+<?mso-contentType ?>
+<FormTemplates xmlns="http://schemas.microsoft.com/sharepoint/v3/contenttype/forms">
+  <Display>DocumentLibraryForm</Display>
+  <Edit>DocumentLibraryForm</Edit>
+  <New>DocumentLibraryForm</New>
+</FormTemplates>
 </file>
 
 <file path=customXml/item2.xml><?xml version="1.0" encoding="utf-8"?>
@@ -16617,27 +16618,17 @@
 </file>
 
 <file path=customXml/item3.xml><?xml version="1.0" encoding="utf-8"?>
-<?mso-contentType ?>
-<FormTemplates xmlns="http://schemas.microsoft.com/sharepoint/v3/contenttype/forms">
-  <Display>DocumentLibraryForm</Display>
-  <Edit>DocumentLibraryForm</Edit>
-  <New>DocumentLibraryForm</New>
-</FormTemplates>
+<p:properties xmlns:p="http://schemas.microsoft.com/office/2006/metadata/properties" xmlns:xsi="http://www.w3.org/2001/XMLSchema-instance" xmlns:pc="http://schemas.microsoft.com/office/infopath/2007/PartnerControls">
+  <documentManagement>
+    <MediaServiceKeyPoints xmlns="71af3243-3dd4-4a8d-8c0d-dd76da1f02a5" xsi:nil="true"/>
+  </documentManagement>
+</p:properties>
 </file>
 
 <file path=customXml/itemProps1.xml><?xml version="1.0" encoding="utf-8"?>
-<ds:datastoreItem xmlns:ds="http://schemas.openxmlformats.org/officeDocument/2006/customXml" ds:itemID="{03C7D9E6-B0D9-433E-BD46-EB60F64F4DA8}">
+<ds:datastoreItem xmlns:ds="http://schemas.openxmlformats.org/officeDocument/2006/customXml" ds:itemID="{5CA875DA-F9FD-4F83-A049-3B1027B542DE}">
   <ds:schemaRefs>
-    <ds:schemaRef ds:uri="16c05727-aa75-4e4a-9b5f-8a80a1165891"/>
-    <ds:schemaRef ds:uri="http://schemas.microsoft.com/office/2006/documentManagement/types"/>
-    <ds:schemaRef ds:uri="http://schemas.microsoft.com/office/infopath/2007/PartnerControls"/>
-    <ds:schemaRef ds:uri="http://purl.org/dc/elements/1.1/"/>
-    <ds:schemaRef ds:uri="http://schemas.microsoft.com/office/2006/metadata/properties"/>
-    <ds:schemaRef ds:uri="http://purl.org/dc/terms/"/>
-    <ds:schemaRef ds:uri="http://schemas.openxmlformats.org/package/2006/metadata/core-properties"/>
-    <ds:schemaRef ds:uri="71af3243-3dd4-4a8d-8c0d-dd76da1f02a5"/>
-    <ds:schemaRef ds:uri="http://www.w3.org/XML/1998/namespace"/>
-    <ds:schemaRef ds:uri="http://purl.org/dc/dcmitype/"/>
+    <ds:schemaRef ds:uri="http://schemas.microsoft.com/sharepoint/v3/contenttype/forms"/>
   </ds:schemaRefs>
 </ds:datastoreItem>
 </file>
@@ -16662,9 +16653,18 @@
 </file>
 
 <file path=customXml/itemProps3.xml><?xml version="1.0" encoding="utf-8"?>
-<ds:datastoreItem xmlns:ds="http://schemas.openxmlformats.org/officeDocument/2006/customXml" ds:itemID="{5CA875DA-F9FD-4F83-A049-3B1027B542DE}">
+<ds:datastoreItem xmlns:ds="http://schemas.openxmlformats.org/officeDocument/2006/customXml" ds:itemID="{03C7D9E6-B0D9-433E-BD46-EB60F64F4DA8}">
   <ds:schemaRefs>
-    <ds:schemaRef ds:uri="http://schemas.microsoft.com/sharepoint/v3/contenttype/forms"/>
+    <ds:schemaRef ds:uri="16c05727-aa75-4e4a-9b5f-8a80a1165891"/>
+    <ds:schemaRef ds:uri="http://schemas.microsoft.com/office/2006/documentManagement/types"/>
+    <ds:schemaRef ds:uri="http://schemas.microsoft.com/office/infopath/2007/PartnerControls"/>
+    <ds:schemaRef ds:uri="http://purl.org/dc/elements/1.1/"/>
+    <ds:schemaRef ds:uri="http://schemas.microsoft.com/office/2006/metadata/properties"/>
+    <ds:schemaRef ds:uri="http://purl.org/dc/terms/"/>
+    <ds:schemaRef ds:uri="http://schemas.openxmlformats.org/package/2006/metadata/core-properties"/>
+    <ds:schemaRef ds:uri="71af3243-3dd4-4a8d-8c0d-dd76da1f02a5"/>
+    <ds:schemaRef ds:uri="http://www.w3.org/XML/1998/namespace"/>
+    <ds:schemaRef ds:uri="http://purl.org/dc/dcmitype/"/>
   </ds:schemaRefs>
 </ds:datastoreItem>
 </file>